--- a/Presentatie_weektaak_4.pptx
+++ b/Presentatie_weektaak_4.pptx
@@ -117,6 +117,11 @@
       </a:defRPr>
     </a:lvl9pPr>
   </p:defaultTextStyle>
+  <p:extLst>
+    <p:ext uri="{EFAFB233-063F-42B5-8137-9DF3F51BA10A}">
+      <p15:sldGuideLst xmlns:p15="http://schemas.microsoft.com/office/powerpoint/2012/main"/>
+    </p:ext>
+  </p:extLst>
 </p:presentation>
 </file>
 
@@ -202,7 +207,7 @@
           <a:p>
             <a:fld id="{79D72572-E685-4D8E-B93B-5238FEF51846}" type="datetimeFigureOut">
               <a:rPr lang="nl-NL" smtClean="0"/>
-              <a:t>15-3-2018</a:t>
+              <a:t>16-3-2018</a:t>
             </a:fld>
             <a:endParaRPr lang="nl-NL"/>
           </a:p>
@@ -889,7 +894,7 @@
           <a:p>
             <a:fld id="{E4E110DF-E064-463D-B9E9-3FB6801C1260}" type="datetime1">
               <a:rPr lang="nl-NL" smtClean="0"/>
-              <a:t>15-3-2018</a:t>
+              <a:t>16-3-2018</a:t>
             </a:fld>
             <a:endParaRPr lang="nl-NL"/>
           </a:p>
@@ -1977,7 +1982,7 @@
           <a:p>
             <a:fld id="{EFC05A97-A10E-4257-B6EA-1B8A0147FC26}" type="datetime1">
               <a:rPr lang="nl-NL" smtClean="0"/>
-              <a:t>15-3-2018</a:t>
+              <a:t>16-3-2018</a:t>
             </a:fld>
             <a:endParaRPr lang="nl-NL"/>
           </a:p>
@@ -2957,7 +2962,7 @@
           <a:p>
             <a:fld id="{ABB15E40-CD12-4E29-B7FD-7C790561FF62}" type="datetime1">
               <a:rPr lang="nl-NL" smtClean="0"/>
-              <a:t>15-3-2018</a:t>
+              <a:t>16-3-2018</a:t>
             </a:fld>
             <a:endParaRPr lang="nl-NL"/>
           </a:p>
@@ -4091,7 +4096,7 @@
           <a:p>
             <a:fld id="{80DE24EC-91D7-46EE-B27F-BADB730E4A61}" type="datetime1">
               <a:rPr lang="nl-NL" smtClean="0"/>
-              <a:t>15-3-2018</a:t>
+              <a:t>16-3-2018</a:t>
             </a:fld>
             <a:endParaRPr lang="nl-NL"/>
           </a:p>
@@ -5124,7 +5129,7 @@
           <a:p>
             <a:fld id="{E575101A-4107-4E99-AC5A-6B51A0CFA1D9}" type="datetime1">
               <a:rPr lang="nl-NL" smtClean="0"/>
-              <a:t>15-3-2018</a:t>
+              <a:t>16-3-2018</a:t>
             </a:fld>
             <a:endParaRPr lang="nl-NL"/>
           </a:p>
@@ -5784,7 +5789,7 @@
           <a:p>
             <a:fld id="{42ECA662-2BF8-46FC-9AC3-B6ECD97F5B92}" type="datetime1">
               <a:rPr lang="nl-NL" smtClean="0"/>
-              <a:t>15-3-2018</a:t>
+              <a:t>16-3-2018</a:t>
             </a:fld>
             <a:endParaRPr lang="nl-NL"/>
           </a:p>
@@ -6645,7 +6650,7 @@
           <a:p>
             <a:fld id="{A716BB20-88E9-43F9-8773-005D23F674A3}" type="datetime1">
               <a:rPr lang="nl-NL" smtClean="0"/>
-              <a:t>15-3-2018</a:t>
+              <a:t>16-3-2018</a:t>
             </a:fld>
             <a:endParaRPr lang="nl-NL"/>
           </a:p>
@@ -6835,7 +6840,7 @@
           <a:p>
             <a:fld id="{350422D2-ECAD-4C5C-B49A-C5A6526B86AF}" type="datetime1">
               <a:rPr lang="nl-NL" smtClean="0"/>
-              <a:t>15-3-2018</a:t>
+              <a:t>16-3-2018</a:t>
             </a:fld>
             <a:endParaRPr lang="nl-NL"/>
           </a:p>
@@ -7807,7 +7812,7 @@
           <a:p>
             <a:fld id="{0C8C164E-6A8B-4B9F-ABEB-BC5880DCBAD0}" type="datetime1">
               <a:rPr lang="nl-NL" smtClean="0"/>
-              <a:t>15-3-2018</a:t>
+              <a:t>16-3-2018</a:t>
             </a:fld>
             <a:endParaRPr lang="nl-NL"/>
           </a:p>
@@ -8018,7 +8023,7 @@
           <a:p>
             <a:fld id="{57D561AA-CBD8-4525-99D9-494E1C56DF12}" type="datetime1">
               <a:rPr lang="nl-NL" smtClean="0"/>
-              <a:t>15-3-2018</a:t>
+              <a:t>16-3-2018</a:t>
             </a:fld>
             <a:endParaRPr lang="nl-NL"/>
           </a:p>
@@ -9052,7 +9057,7 @@
           <a:p>
             <a:fld id="{81D2903F-9498-499F-9302-ABE5BA32EED2}" type="datetime1">
               <a:rPr lang="nl-NL" smtClean="0"/>
-              <a:t>15-3-2018</a:t>
+              <a:t>16-3-2018</a:t>
             </a:fld>
             <a:endParaRPr lang="nl-NL"/>
           </a:p>
@@ -9324,7 +9329,7 @@
           <a:p>
             <a:fld id="{86764850-16D5-417F-997F-F855A59F0D1A}" type="datetime1">
               <a:rPr lang="nl-NL" smtClean="0"/>
-              <a:t>15-3-2018</a:t>
+              <a:t>16-3-2018</a:t>
             </a:fld>
             <a:endParaRPr lang="nl-NL"/>
           </a:p>
@@ -9739,7 +9744,7 @@
           <a:p>
             <a:fld id="{B6022D01-8774-4C89-9B79-54D6CDB4F657}" type="datetime1">
               <a:rPr lang="nl-NL" smtClean="0"/>
-              <a:t>15-3-2018</a:t>
+              <a:t>16-3-2018</a:t>
             </a:fld>
             <a:endParaRPr lang="nl-NL"/>
           </a:p>
@@ -9871,7 +9876,7 @@
           <a:p>
             <a:fld id="{16C18665-36C4-48C8-8931-E9BD7E2129C4}" type="datetime1">
               <a:rPr lang="nl-NL" smtClean="0"/>
-              <a:t>15-3-2018</a:t>
+              <a:t>16-3-2018</a:t>
             </a:fld>
             <a:endParaRPr lang="nl-NL"/>
           </a:p>
@@ -9966,7 +9971,7 @@
           <a:p>
             <a:fld id="{EA357579-AF10-4443-835F-EA0679A6E88C}" type="datetime1">
               <a:rPr lang="nl-NL" smtClean="0"/>
-              <a:t>15-3-2018</a:t>
+              <a:t>16-3-2018</a:t>
             </a:fld>
             <a:endParaRPr lang="nl-NL"/>
           </a:p>
@@ -11047,7 +11052,7 @@
           <a:p>
             <a:fld id="{84744DA5-F1D9-45C9-94A8-1DAB0C727DE8}" type="datetime1">
               <a:rPr lang="nl-NL" smtClean="0"/>
-              <a:t>15-3-2018</a:t>
+              <a:t>16-3-2018</a:t>
             </a:fld>
             <a:endParaRPr lang="nl-NL"/>
           </a:p>
@@ -12160,7 +12165,7 @@
           <a:p>
             <a:fld id="{D76493EB-3B47-4B17-A39C-42BB7CB33DD5}" type="datetime1">
               <a:rPr lang="nl-NL" smtClean="0"/>
-              <a:t>15-3-2018</a:t>
+              <a:t>16-3-2018</a:t>
             </a:fld>
             <a:endParaRPr lang="nl-NL"/>
           </a:p>
@@ -13157,7 +13162,7 @@
           <a:p>
             <a:fld id="{546B3167-61F7-476D-81E0-C82545563737}" type="datetime1">
               <a:rPr lang="nl-NL" smtClean="0"/>
-              <a:t>15-3-2018</a:t>
+              <a:t>16-3-2018</a:t>
             </a:fld>
             <a:endParaRPr lang="nl-NL"/>
           </a:p>
@@ -13882,7 +13887,54 @@
           <a:bodyPr/>
           <a:lstStyle/>
           <a:p>
-            <a:endParaRPr lang="nl-NL"/>
+            <a:pPr marL="0" indent="0" algn="ctr">
+              <a:buNone/>
+            </a:pPr>
+            <a:r>
+              <a:rPr lang="en-US" dirty="0" smtClean="0"/>
+              <a:t>Nog </a:t>
+            </a:r>
+            <a:r>
+              <a:rPr lang="en-US" dirty="0" err="1" smtClean="0"/>
+              <a:t>niet</a:t>
+            </a:r>
+            <a:r>
+              <a:rPr lang="en-US" dirty="0" smtClean="0"/>
+              <a:t> </a:t>
+            </a:r>
+            <a:r>
+              <a:rPr lang="en-US" dirty="0" err="1" smtClean="0"/>
+              <a:t>gelukt</a:t>
+            </a:r>
+            <a:r>
+              <a:rPr lang="en-US" dirty="0" smtClean="0"/>
+              <a:t> door </a:t>
+            </a:r>
+            <a:r>
+              <a:rPr lang="en-US" dirty="0" err="1" smtClean="0"/>
+              <a:t>fout</a:t>
+            </a:r>
+            <a:r>
+              <a:rPr lang="en-US" dirty="0" smtClean="0"/>
+              <a:t> van </a:t>
+            </a:r>
+            <a:r>
+              <a:rPr lang="en-US" dirty="0" err="1" smtClean="0"/>
+              <a:t>onbekende</a:t>
+            </a:r>
+            <a:r>
+              <a:rPr lang="en-US" dirty="0" smtClean="0"/>
+              <a:t> </a:t>
+            </a:r>
+            <a:r>
+              <a:rPr lang="en-US" dirty="0" err="1" smtClean="0"/>
+              <a:t>oorzaak</a:t>
+            </a:r>
+            <a:r>
+              <a:rPr lang="en-US" dirty="0" smtClean="0"/>
+              <a:t>.</a:t>
+            </a:r>
+            <a:endParaRPr lang="nl-NL" dirty="0"/>
           </a:p>
         </p:txBody>
       </p:sp>
@@ -16575,35 +16627,6 @@
           </a:p>
         </p:txBody>
       </p:sp>
-      <p:pic>
-        <p:nvPicPr>
-          <p:cNvPr id="5" name="Tijdelijke aanduiding voor inhoud 4"/>
-          <p:cNvPicPr>
-            <a:picLocks noGrp="1" noChangeAspect="1"/>
-          </p:cNvPicPr>
-          <p:nvPr>
-            <p:ph sz="half" idx="2"/>
-          </p:nvPr>
-        </p:nvPicPr>
-        <p:blipFill>
-          <a:blip r:embed="rId2" cstate="print">
-            <a:extLst>
-              <a:ext uri="{28A0092B-C50C-407E-A947-70E740481C1C}">
-                <a14:useLocalDpi xmlns:a14="http://schemas.microsoft.com/office/drawing/2010/main" val="0"/>
-              </a:ext>
-            </a:extLst>
-          </a:blip>
-          <a:stretch>
-            <a:fillRect/>
-          </a:stretch>
-        </p:blipFill>
-        <p:spPr>
-          <a:xfrm>
-            <a:off x="2200729" y="2603500"/>
-            <a:ext cx="7195820" cy="4038654"/>
-          </a:xfrm>
-        </p:spPr>
-      </p:pic>
       <p:sp>
         <p:nvSpPr>
           <p:cNvPr id="6" name="Tijdelijke aanduiding voor dianummer 5"/>
@@ -16627,6 +16650,30 @@
           </a:p>
         </p:txBody>
       </p:sp>
+      <p:pic>
+        <p:nvPicPr>
+          <p:cNvPr id="7" name="Afbeelding 6"/>
+          <p:cNvPicPr>
+            <a:picLocks noChangeAspect="1"/>
+          </p:cNvPicPr>
+          <p:nvPr/>
+        </p:nvPicPr>
+        <p:blipFill>
+          <a:blip r:embed="rId2"/>
+          <a:stretch>
+            <a:fillRect/>
+          </a:stretch>
+        </p:blipFill>
+        <p:spPr>
+          <a:xfrm>
+            <a:off x="2252122" y="2603500"/>
+            <a:ext cx="8100417" cy="3663246"/>
+          </a:xfrm>
+          <a:prstGeom prst="rect">
+            <a:avLst/>
+          </a:prstGeom>
+        </p:spPr>
+      </p:pic>
     </p:spTree>
     <p:extLst>
       <p:ext uri="{BB962C8B-B14F-4D97-AF65-F5344CB8AC3E}">
